--- a/Project3-WebScraping/Boyang_Dai/Project3_condom.pptx
+++ b/Project3-WebScraping/Boyang_Dai/Project3_condom.pptx
@@ -14490,6 +14490,42 @@
           </a:prstGeom>
         </p:spPr>
       </p:pic>
+      <p:sp>
+        <p:nvSpPr>
+          <p:cNvPr id="50" name="文字方塊 49"/>
+          <p:cNvSpPr txBox="1"/>
+          <p:nvPr/>
+        </p:nvSpPr>
+        <p:spPr>
+          <a:xfrm rot="18686569">
+            <a:off x="4275647" y="6288212"/>
+            <a:ext cx="1010884" cy="238527"/>
+          </a:xfrm>
+          <a:prstGeom prst="rect">
+            <a:avLst/>
+          </a:prstGeom>
+          <a:solidFill>
+            <a:srgbClr val="FFFFFF"/>
+          </a:solidFill>
+        </p:spPr>
+        <p:txBody>
+          <a:bodyPr wrap="square" rtlCol="0">
+            <a:spAutoFit/>
+          </a:bodyPr>
+          <a:lstStyle/>
+          <a:p>
+            <a:r>
+              <a:rPr kumimoji="1" lang="en-US" altLang="zh-TW" sz="950" b="1" dirty="0" err="1"/>
+              <a:t>a</a:t>
+            </a:r>
+            <a:r>
+              <a:rPr kumimoji="1" lang="en-US" altLang="zh-TW" sz="950" b="1" dirty="0" err="1" smtClean="0"/>
+              <a:t>vg_sentiment</a:t>
+            </a:r>
+            <a:endParaRPr kumimoji="1" lang="zh-TW" altLang="en-US" sz="950" b="1" dirty="0"/>
+          </a:p>
+        </p:txBody>
+      </p:sp>
       <p:cxnSp>
         <p:nvCxnSpPr>
           <p:cNvPr id="19" name="直線接點 18"/>
@@ -14810,7 +14846,7 @@
         <p:spPr>
           <a:xfrm>
             <a:off x="5519656" y="5334506"/>
-            <a:ext cx="3610234" cy="1523494"/>
+            <a:ext cx="3610234" cy="1292662"/>
           </a:xfrm>
           <a:prstGeom prst="rect">
             <a:avLst/>
@@ -14838,60 +14874,19 @@
             </a:r>
             <a:r>
               <a:rPr kumimoji="1" lang="en-US" altLang="zh-TW" sz="1500" i="1" dirty="0" err="1" smtClean="0"/>
-              <a:t>avg_review_length</a:t>
+              <a:t>avg_rating</a:t>
             </a:r>
             <a:r>
               <a:rPr kumimoji="1" lang="en-US" altLang="zh-TW" sz="1500" i="1" dirty="0" smtClean="0"/>
-              <a:t>’ </a:t>
+              <a:t>’  (0.36) </a:t>
             </a:r>
             <a:r>
               <a:rPr kumimoji="1" lang="en-US" altLang="zh-TW" sz="1500" dirty="0" smtClean="0"/>
-              <a:t>have </a:t>
-            </a:r>
-            <a:r>
-              <a:rPr kumimoji="1" lang="en-US" altLang="zh-TW" sz="1500" dirty="0" smtClean="0">
-                <a:solidFill>
-                  <a:srgbClr val="D9253E"/>
-                </a:solidFill>
-              </a:rPr>
-              <a:t>negative</a:t>
-            </a:r>
-            <a:r>
-              <a:rPr kumimoji="1" lang="en-US" altLang="zh-TW" sz="1500" dirty="0" smtClean="0"/>
-              <a:t> correlation with </a:t>
+              <a:t>and</a:t>
             </a:r>
             <a:r>
               <a:rPr kumimoji="1" lang="en-US" altLang="zh-TW" sz="1500" i="1" dirty="0" smtClean="0"/>
-              <a:t>‘</a:t>
-            </a:r>
-            <a:r>
-              <a:rPr kumimoji="1" lang="en-US" altLang="zh-TW" sz="1500" i="1" dirty="0" err="1" smtClean="0"/>
-              <a:t>rank_in_condom</a:t>
-            </a:r>
-            <a:r>
-              <a:rPr kumimoji="1" lang="en-US" altLang="zh-TW" sz="1500" i="1" dirty="0" smtClean="0"/>
-              <a:t>’</a:t>
-            </a:r>
-          </a:p>
-          <a:p>
-            <a:pPr marL="342900" indent="-342900">
-              <a:buAutoNum type="alphaLcPeriod"/>
-            </a:pPr>
-            <a:r>
-              <a:rPr kumimoji="1" lang="en-US" altLang="zh-TW" sz="1500" dirty="0" smtClean="0"/>
-              <a:t> </a:t>
-            </a:r>
-            <a:r>
-              <a:rPr kumimoji="1" lang="en-US" altLang="zh-TW" sz="1500" i="1" dirty="0" smtClean="0"/>
-              <a:t>‘</a:t>
-            </a:r>
-            <a:r>
-              <a:rPr kumimoji="1" lang="en-US" altLang="zh-TW" sz="1500" i="1" dirty="0" err="1" smtClean="0"/>
-              <a:t>avg_rating</a:t>
-            </a:r>
-            <a:r>
-              <a:rPr kumimoji="1" lang="en-US" altLang="zh-TW" sz="1500" i="1" dirty="0" smtClean="0"/>
-              <a:t>’ </a:t>
+              <a:t> ‘STAR’  (0.26) </a:t>
             </a:r>
             <a:r>
               <a:rPr kumimoji="1" lang="en-US" altLang="zh-TW" sz="1500" dirty="0" smtClean="0"/>
@@ -14962,85 +14957,6 @@
           </a:p>
         </p:txBody>
       </p:sp>
-      <p:sp>
-        <p:nvSpPr>
-          <p:cNvPr id="8" name="矩形 7"/>
-          <p:cNvSpPr/>
-          <p:nvPr/>
-        </p:nvSpPr>
-        <p:spPr>
-          <a:xfrm>
-            <a:off x="2949398" y="2616205"/>
-            <a:ext cx="1515416" cy="1513333"/>
-          </a:xfrm>
-          <a:prstGeom prst="rect">
-            <a:avLst/>
-          </a:prstGeom>
-          <a:solidFill>
-            <a:schemeClr val="lt1">
-              <a:alpha val="0"/>
-            </a:schemeClr>
-          </a:solidFill>
-          <a:ln w="9525" cmpd="sng"/>
-        </p:spPr>
-        <p:style>
-          <a:lnRef idx="2">
-            <a:schemeClr val="dk1"/>
-          </a:lnRef>
-          <a:fillRef idx="1">
-            <a:schemeClr val="lt1"/>
-          </a:fillRef>
-          <a:effectRef idx="0">
-            <a:schemeClr val="dk1"/>
-          </a:effectRef>
-          <a:fontRef idx="minor">
-            <a:schemeClr val="dk1"/>
-          </a:fontRef>
-        </p:style>
-        <p:txBody>
-          <a:bodyPr rtlCol="0" anchor="ctr"/>
-          <a:lstStyle/>
-          <a:p>
-            <a:pPr algn="ctr"/>
-            <a:endParaRPr kumimoji="1" lang="zh-TW" altLang="en-US"/>
-          </a:p>
-        </p:txBody>
-      </p:sp>
-      <p:cxnSp>
-        <p:nvCxnSpPr>
-          <p:cNvPr id="15" name="直線接點 14"/>
-          <p:cNvCxnSpPr/>
-          <p:nvPr/>
-        </p:nvCxnSpPr>
-        <p:spPr>
-          <a:xfrm>
-            <a:off x="2949398" y="4129538"/>
-            <a:ext cx="2584369" cy="1204968"/>
-          </a:xfrm>
-          <a:prstGeom prst="line">
-            <a:avLst/>
-          </a:prstGeom>
-          <a:ln w="19050" cmpd="sng">
-            <a:solidFill>
-              <a:srgbClr val="000000"/>
-            </a:solidFill>
-          </a:ln>
-        </p:spPr>
-        <p:style>
-          <a:lnRef idx="2">
-            <a:schemeClr val="accent1"/>
-          </a:lnRef>
-          <a:fillRef idx="0">
-            <a:schemeClr val="accent1"/>
-          </a:fillRef>
-          <a:effectRef idx="1">
-            <a:schemeClr val="accent1"/>
-          </a:effectRef>
-          <a:fontRef idx="minor">
-            <a:schemeClr val="tx1"/>
-          </a:fontRef>
-        </p:style>
-      </p:cxnSp>
       <p:sp>
         <p:nvSpPr>
           <p:cNvPr id="21" name="文字方塊 20"/>
@@ -15161,6 +15077,306 @@
           </a:ln>
         </p:spPr>
       </p:pic>
+      <p:sp>
+        <p:nvSpPr>
+          <p:cNvPr id="8" name="矩形 7"/>
+          <p:cNvSpPr/>
+          <p:nvPr/>
+        </p:nvSpPr>
+        <p:spPr>
+          <a:xfrm>
+            <a:off x="2949398" y="2616205"/>
+            <a:ext cx="1515416" cy="1513333"/>
+          </a:xfrm>
+          <a:prstGeom prst="rect">
+            <a:avLst/>
+          </a:prstGeom>
+          <a:solidFill>
+            <a:schemeClr val="lt1">
+              <a:alpha val="0"/>
+            </a:schemeClr>
+          </a:solidFill>
+          <a:ln w="9525" cmpd="sng"/>
+        </p:spPr>
+        <p:style>
+          <a:lnRef idx="2">
+            <a:schemeClr val="dk1"/>
+          </a:lnRef>
+          <a:fillRef idx="1">
+            <a:schemeClr val="lt1"/>
+          </a:fillRef>
+          <a:effectRef idx="0">
+            <a:schemeClr val="dk1"/>
+          </a:effectRef>
+          <a:fontRef idx="minor">
+            <a:schemeClr val="dk1"/>
+          </a:fontRef>
+        </p:style>
+        <p:txBody>
+          <a:bodyPr rtlCol="0" anchor="ctr"/>
+          <a:lstStyle/>
+          <a:p>
+            <a:pPr algn="ctr"/>
+            <a:endParaRPr kumimoji="1" lang="zh-TW" altLang="en-US"/>
+          </a:p>
+        </p:txBody>
+      </p:sp>
+      <p:sp>
+        <p:nvSpPr>
+          <p:cNvPr id="48" name="文字方塊 47"/>
+          <p:cNvSpPr txBox="1"/>
+          <p:nvPr/>
+        </p:nvSpPr>
+        <p:spPr>
+          <a:xfrm>
+            <a:off x="187786" y="2297629"/>
+            <a:ext cx="1095132" cy="307777"/>
+          </a:xfrm>
+          <a:prstGeom prst="rect">
+            <a:avLst/>
+          </a:prstGeom>
+          <a:solidFill>
+            <a:schemeClr val="bg1"/>
+          </a:solidFill>
+        </p:spPr>
+        <p:txBody>
+          <a:bodyPr wrap="square" rtlCol="0">
+            <a:spAutoFit/>
+          </a:bodyPr>
+          <a:lstStyle/>
+          <a:p>
+            <a:r>
+              <a:rPr kumimoji="1" lang="en-US" altLang="zh-TW" sz="1400" b="1" dirty="0" err="1"/>
+              <a:t>a</a:t>
+            </a:r>
+            <a:r>
+              <a:rPr kumimoji="1" lang="en-US" altLang="zh-TW" sz="1400" b="1" dirty="0" err="1" smtClean="0"/>
+              <a:t>vg_rating</a:t>
+            </a:r>
+            <a:endParaRPr kumimoji="1" lang="zh-TW" altLang="en-US" sz="1400" b="1" dirty="0"/>
+          </a:p>
+        </p:txBody>
+      </p:sp>
+      <p:sp>
+        <p:nvSpPr>
+          <p:cNvPr id="44" name="矩形 43"/>
+          <p:cNvSpPr/>
+          <p:nvPr/>
+        </p:nvSpPr>
+        <p:spPr>
+          <a:xfrm>
+            <a:off x="187786" y="2359727"/>
+            <a:ext cx="4788745" cy="247805"/>
+          </a:xfrm>
+          <a:prstGeom prst="rect">
+            <a:avLst/>
+          </a:prstGeom>
+          <a:solidFill>
+            <a:schemeClr val="lt1">
+              <a:alpha val="0"/>
+            </a:schemeClr>
+          </a:solidFill>
+          <a:ln w="9525" cmpd="sng">
+            <a:solidFill>
+              <a:schemeClr val="accent3">
+                <a:lumMod val="75000"/>
+              </a:schemeClr>
+            </a:solidFill>
+            <a:prstDash val="dash"/>
+          </a:ln>
+        </p:spPr>
+        <p:style>
+          <a:lnRef idx="2">
+            <a:schemeClr val="dk1"/>
+          </a:lnRef>
+          <a:fillRef idx="1">
+            <a:schemeClr val="lt1"/>
+          </a:fillRef>
+          <a:effectRef idx="0">
+            <a:schemeClr val="dk1"/>
+          </a:effectRef>
+          <a:fontRef idx="minor">
+            <a:schemeClr val="dk1"/>
+          </a:fontRef>
+        </p:style>
+        <p:txBody>
+          <a:bodyPr rtlCol="0" anchor="ctr"/>
+          <a:lstStyle/>
+          <a:p>
+            <a:pPr algn="ctr"/>
+            <a:endParaRPr kumimoji="1" lang="zh-TW" altLang="en-US"/>
+          </a:p>
+        </p:txBody>
+      </p:sp>
+      <p:sp>
+        <p:nvSpPr>
+          <p:cNvPr id="49" name="文字方塊 48"/>
+          <p:cNvSpPr txBox="1"/>
+          <p:nvPr/>
+        </p:nvSpPr>
+        <p:spPr>
+          <a:xfrm>
+            <a:off x="410033" y="4129538"/>
+            <a:ext cx="611651" cy="276999"/>
+          </a:xfrm>
+          <a:prstGeom prst="rect">
+            <a:avLst/>
+          </a:prstGeom>
+          <a:solidFill>
+            <a:srgbClr val="FFFFFF"/>
+          </a:solidFill>
+        </p:spPr>
+        <p:txBody>
+          <a:bodyPr wrap="square" rtlCol="0">
+            <a:spAutoFit/>
+          </a:bodyPr>
+          <a:lstStyle/>
+          <a:p>
+            <a:r>
+              <a:rPr kumimoji="1" lang="en-US" altLang="zh-TW" sz="1200" b="1" dirty="0" smtClean="0"/>
+              <a:t>STAR</a:t>
+            </a:r>
+            <a:endParaRPr kumimoji="1" lang="zh-TW" altLang="en-US" sz="1200" b="1" dirty="0"/>
+          </a:p>
+        </p:txBody>
+      </p:sp>
+      <p:sp>
+        <p:nvSpPr>
+          <p:cNvPr id="47" name="矩形 46"/>
+          <p:cNvSpPr/>
+          <p:nvPr/>
+        </p:nvSpPr>
+        <p:spPr>
+          <a:xfrm>
+            <a:off x="410034" y="4132641"/>
+            <a:ext cx="4559042" cy="247805"/>
+          </a:xfrm>
+          <a:prstGeom prst="rect">
+            <a:avLst/>
+          </a:prstGeom>
+          <a:solidFill>
+            <a:schemeClr val="lt1">
+              <a:alpha val="0"/>
+            </a:schemeClr>
+          </a:solidFill>
+          <a:ln w="9525" cmpd="sng">
+            <a:solidFill>
+              <a:schemeClr val="accent3">
+                <a:lumMod val="75000"/>
+              </a:schemeClr>
+            </a:solidFill>
+            <a:prstDash val="dash"/>
+          </a:ln>
+        </p:spPr>
+        <p:style>
+          <a:lnRef idx="2">
+            <a:schemeClr val="dk1"/>
+          </a:lnRef>
+          <a:fillRef idx="1">
+            <a:schemeClr val="lt1"/>
+          </a:fillRef>
+          <a:effectRef idx="0">
+            <a:schemeClr val="dk1"/>
+          </a:effectRef>
+          <a:fontRef idx="minor">
+            <a:schemeClr val="dk1"/>
+          </a:fontRef>
+        </p:style>
+        <p:txBody>
+          <a:bodyPr rtlCol="0" anchor="ctr"/>
+          <a:lstStyle/>
+          <a:p>
+            <a:pPr algn="ctr"/>
+            <a:endParaRPr kumimoji="1" lang="zh-TW" altLang="en-US"/>
+          </a:p>
+        </p:txBody>
+      </p:sp>
+      <p:sp>
+        <p:nvSpPr>
+          <p:cNvPr id="45" name="矩形 44"/>
+          <p:cNvSpPr/>
+          <p:nvPr/>
+        </p:nvSpPr>
+        <p:spPr>
+          <a:xfrm flipV="1">
+            <a:off x="4716944" y="2359727"/>
+            <a:ext cx="252131" cy="4300240"/>
+          </a:xfrm>
+          <a:prstGeom prst="rect">
+            <a:avLst/>
+          </a:prstGeom>
+          <a:solidFill>
+            <a:schemeClr val="lt1">
+              <a:alpha val="0"/>
+            </a:schemeClr>
+          </a:solidFill>
+          <a:ln w="9525" cmpd="sng">
+            <a:solidFill>
+              <a:schemeClr val="accent3">
+                <a:lumMod val="75000"/>
+              </a:schemeClr>
+            </a:solidFill>
+            <a:prstDash val="dash"/>
+          </a:ln>
+        </p:spPr>
+        <p:style>
+          <a:lnRef idx="2">
+            <a:schemeClr val="dk1"/>
+          </a:lnRef>
+          <a:fillRef idx="1">
+            <a:schemeClr val="lt1"/>
+          </a:fillRef>
+          <a:effectRef idx="0">
+            <a:schemeClr val="dk1"/>
+          </a:effectRef>
+          <a:fontRef idx="minor">
+            <a:schemeClr val="dk1"/>
+          </a:fontRef>
+        </p:style>
+        <p:txBody>
+          <a:bodyPr rtlCol="0" anchor="ctr"/>
+          <a:lstStyle/>
+          <a:p>
+            <a:pPr algn="ctr"/>
+            <a:endParaRPr kumimoji="1" lang="zh-TW" altLang="en-US"/>
+          </a:p>
+        </p:txBody>
+      </p:sp>
+      <p:cxnSp>
+        <p:nvCxnSpPr>
+          <p:cNvPr id="15" name="直線接點 14"/>
+          <p:cNvCxnSpPr/>
+          <p:nvPr/>
+        </p:nvCxnSpPr>
+        <p:spPr>
+          <a:xfrm>
+            <a:off x="2949398" y="4129538"/>
+            <a:ext cx="2584369" cy="1204968"/>
+          </a:xfrm>
+          <a:prstGeom prst="line">
+            <a:avLst/>
+          </a:prstGeom>
+          <a:ln w="19050" cmpd="sng">
+            <a:solidFill>
+              <a:srgbClr val="000000"/>
+            </a:solidFill>
+          </a:ln>
+        </p:spPr>
+        <p:style>
+          <a:lnRef idx="2">
+            <a:schemeClr val="accent1"/>
+          </a:lnRef>
+          <a:fillRef idx="0">
+            <a:schemeClr val="accent1"/>
+          </a:fillRef>
+          <a:effectRef idx="1">
+            <a:schemeClr val="accent1"/>
+          </a:effectRef>
+          <a:fontRef idx="minor">
+            <a:schemeClr val="tx1"/>
+          </a:fontRef>
+        </p:style>
+      </p:cxnSp>
     </p:spTree>
     <p:extLst>
       <p:ext uri="{BB962C8B-B14F-4D97-AF65-F5344CB8AC3E}">
@@ -16312,7 +16528,7 @@
             </a:pPr>
             <a:r>
               <a:rPr kumimoji="1" lang="en-US" altLang="zh-TW" sz="2000" dirty="0" smtClean="0"/>
-              <a:t>To fit a multiple regression model on product rating.</a:t>
+              <a:t>To fit a multiple regression model on product ranking.</a:t>
             </a:r>
           </a:p>
           <a:p>
@@ -16382,7 +16598,7 @@
             </a:pPr>
             <a:r>
               <a:rPr kumimoji="1" lang="en-US" altLang="zh-TW" sz="1600" dirty="0" smtClean="0"/>
-              <a:t>Multiple r-squared score:     0.5629</a:t>
+              <a:t>Multiple r-squared score:     0.5437</a:t>
             </a:r>
           </a:p>
           <a:p>
@@ -16398,7 +16614,7 @@
             </a:pPr>
             <a:r>
               <a:rPr kumimoji="1" lang="en-US" altLang="zh-TW" sz="1600" dirty="0" smtClean="0"/>
-              <a:t>VIF:     max = 3.8</a:t>
+              <a:t>VIF:     max = 3.68</a:t>
             </a:r>
             <a:endParaRPr kumimoji="1" lang="en-US" altLang="zh-TW" sz="1600" dirty="0"/>
           </a:p>
